--- a/assets/members/member_pjj.pptx
+++ b/assets/members/member_pjj.pptx
@@ -197,7 +197,7 @@
           <a:p>
             <a:fld id="{E628AAC4-EF3D-4399-ADBF-CCB864C2C04D}" type="datetimeFigureOut">
               <a:rPr lang="ko-KR" altLang="en-US" smtClean="0"/>
-              <a:t>2024-03-05</a:t>
+              <a:t>2024. 10. 7.</a:t>
             </a:fld>
             <a:endParaRPr lang="ko-KR" altLang="en-US" dirty="0"/>
           </a:p>
@@ -611,7 +611,7 @@
           <a:p>
             <a:fld id="{75F2F651-36CF-4C58-93DF-887A107CEA47}" type="datetimeFigureOut">
               <a:rPr lang="ko-KR" altLang="en-US" smtClean="0"/>
-              <a:t>2024-03-05</a:t>
+              <a:t>2024. 10. 7.</a:t>
             </a:fld>
             <a:endParaRPr lang="ko-KR" altLang="en-US" dirty="0"/>
           </a:p>
@@ -809,7 +809,7 @@
           <a:p>
             <a:fld id="{75F2F651-36CF-4C58-93DF-887A107CEA47}" type="datetimeFigureOut">
               <a:rPr lang="ko-KR" altLang="en-US" smtClean="0"/>
-              <a:t>2024-03-05</a:t>
+              <a:t>2024. 10. 7.</a:t>
             </a:fld>
             <a:endParaRPr lang="ko-KR" altLang="en-US" dirty="0"/>
           </a:p>
@@ -1017,7 +1017,7 @@
           <a:p>
             <a:fld id="{75F2F651-36CF-4C58-93DF-887A107CEA47}" type="datetimeFigureOut">
               <a:rPr lang="ko-KR" altLang="en-US" smtClean="0"/>
-              <a:t>2024-03-05</a:t>
+              <a:t>2024. 10. 7.</a:t>
             </a:fld>
             <a:endParaRPr lang="ko-KR" altLang="en-US" dirty="0"/>
           </a:p>
@@ -1215,7 +1215,7 @@
           <a:p>
             <a:fld id="{75F2F651-36CF-4C58-93DF-887A107CEA47}" type="datetimeFigureOut">
               <a:rPr lang="ko-KR" altLang="en-US" smtClean="0"/>
-              <a:t>2024-03-05</a:t>
+              <a:t>2024. 10. 7.</a:t>
             </a:fld>
             <a:endParaRPr lang="ko-KR" altLang="en-US" dirty="0"/>
           </a:p>
@@ -1490,7 +1490,7 @@
           <a:p>
             <a:fld id="{75F2F651-36CF-4C58-93DF-887A107CEA47}" type="datetimeFigureOut">
               <a:rPr lang="ko-KR" altLang="en-US" smtClean="0"/>
-              <a:t>2024-03-05</a:t>
+              <a:t>2024. 10. 7.</a:t>
             </a:fld>
             <a:endParaRPr lang="ko-KR" altLang="en-US" dirty="0"/>
           </a:p>
@@ -1755,7 +1755,7 @@
           <a:p>
             <a:fld id="{75F2F651-36CF-4C58-93DF-887A107CEA47}" type="datetimeFigureOut">
               <a:rPr lang="ko-KR" altLang="en-US" smtClean="0"/>
-              <a:t>2024-03-05</a:t>
+              <a:t>2024. 10. 7.</a:t>
             </a:fld>
             <a:endParaRPr lang="ko-KR" altLang="en-US" dirty="0"/>
           </a:p>
@@ -2167,7 +2167,7 @@
           <a:p>
             <a:fld id="{75F2F651-36CF-4C58-93DF-887A107CEA47}" type="datetimeFigureOut">
               <a:rPr lang="ko-KR" altLang="en-US" smtClean="0"/>
-              <a:t>2024-03-05</a:t>
+              <a:t>2024. 10. 7.</a:t>
             </a:fld>
             <a:endParaRPr lang="ko-KR" altLang="en-US" dirty="0"/>
           </a:p>
@@ -2308,7 +2308,7 @@
           <a:p>
             <a:fld id="{75F2F651-36CF-4C58-93DF-887A107CEA47}" type="datetimeFigureOut">
               <a:rPr lang="ko-KR" altLang="en-US" smtClean="0"/>
-              <a:t>2024-03-05</a:t>
+              <a:t>2024. 10. 7.</a:t>
             </a:fld>
             <a:endParaRPr lang="ko-KR" altLang="en-US" dirty="0"/>
           </a:p>
@@ -2421,7 +2421,7 @@
           <a:p>
             <a:fld id="{75F2F651-36CF-4C58-93DF-887A107CEA47}" type="datetimeFigureOut">
               <a:rPr lang="ko-KR" altLang="en-US" smtClean="0"/>
-              <a:t>2024-03-05</a:t>
+              <a:t>2024. 10. 7.</a:t>
             </a:fld>
             <a:endParaRPr lang="ko-KR" altLang="en-US" dirty="0"/>
           </a:p>
@@ -2732,7 +2732,7 @@
           <a:p>
             <a:fld id="{75F2F651-36CF-4C58-93DF-887A107CEA47}" type="datetimeFigureOut">
               <a:rPr lang="ko-KR" altLang="en-US" smtClean="0"/>
-              <a:t>2024-03-05</a:t>
+              <a:t>2024. 10. 7.</a:t>
             </a:fld>
             <a:endParaRPr lang="ko-KR" altLang="en-US" dirty="0"/>
           </a:p>
@@ -3020,7 +3020,7 @@
           <a:p>
             <a:fld id="{75F2F651-36CF-4C58-93DF-887A107CEA47}" type="datetimeFigureOut">
               <a:rPr lang="ko-KR" altLang="en-US" smtClean="0"/>
-              <a:t>2024-03-05</a:t>
+              <a:t>2024. 10. 7.</a:t>
             </a:fld>
             <a:endParaRPr lang="ko-KR" altLang="en-US" dirty="0"/>
           </a:p>
@@ -3261,7 +3261,7 @@
           <a:p>
             <a:fld id="{75F2F651-36CF-4C58-93DF-887A107CEA47}" type="datetimeFigureOut">
               <a:rPr lang="ko-KR" altLang="en-US" smtClean="0"/>
-              <a:t>2024-03-05</a:t>
+              <a:t>2024. 10. 7.</a:t>
             </a:fld>
             <a:endParaRPr lang="ko-KR" altLang="en-US" dirty="0"/>
           </a:p>
@@ -3971,18 +3971,18 @@
               <a:t>현      재 </a:t>
             </a:r>
             <a:r>
-              <a:rPr lang="en-US" altLang="ko-KR" sz="1400">
+              <a:rPr lang="en-US" altLang="ko-KR" sz="1400" dirty="0">
                 <a:latin typeface="JejuGothicOTF" panose="02000300000000000000" pitchFamily="2" charset="-127"/>
                 <a:ea typeface="JejuGothicOTF" panose="02000300000000000000" pitchFamily="2" charset="-127"/>
               </a:rPr>
               <a:t>: </a:t>
             </a:r>
             <a:r>
-              <a:rPr lang="ko-KR" altLang="en-US" sz="1400">
+              <a:rPr lang="ko-KR" altLang="en-US" sz="1400" dirty="0">
                 <a:latin typeface="JejuGothicOTF" panose="02000300000000000000" pitchFamily="2" charset="-127"/>
                 <a:ea typeface="JejuGothicOTF" panose="02000300000000000000" pitchFamily="2" charset="-127"/>
               </a:rPr>
-              <a:t>석사과정</a:t>
+              <a:t>석박사통합과정</a:t>
             </a:r>
             <a:endParaRPr lang="en-US" altLang="ko-KR" sz="1400" dirty="0">
               <a:latin typeface="JejuGothicOTF" panose="02000300000000000000" pitchFamily="2" charset="-127"/>
@@ -4039,21 +4039,7 @@
                 <a:latin typeface="JejuGothicOTF" panose="02000300000000000000" pitchFamily="2" charset="-127"/>
                 <a:ea typeface="JejuGothicOTF" panose="02000300000000000000" pitchFamily="2" charset="-127"/>
               </a:rPr>
-              <a:t> E-mail  </a:t>
-            </a:r>
-            <a:r>
-              <a:rPr lang="en-US" altLang="ko-KR" sz="1400">
-                <a:latin typeface="JejuGothicOTF" panose="02000300000000000000" pitchFamily="2" charset="-127"/>
-                <a:ea typeface="JejuGothicOTF" panose="02000300000000000000" pitchFamily="2" charset="-127"/>
-              </a:rPr>
-              <a:t>: tkfhdk123@</a:t>
-            </a:r>
-            <a:r>
-              <a:rPr lang="en-US" altLang="ko-KR" sz="1400" dirty="0">
-                <a:latin typeface="JejuGothicOTF" panose="02000300000000000000" pitchFamily="2" charset="-127"/>
-                <a:ea typeface="JejuGothicOTF" panose="02000300000000000000" pitchFamily="2" charset="-127"/>
-              </a:rPr>
-              <a:t>gmail.com</a:t>
+              <a:t> E-mail  : tkfhdk123@gmail.com</a:t>
             </a:r>
           </a:p>
           <a:p>
@@ -4072,23 +4058,33 @@
               <a:buChar char="•"/>
             </a:pPr>
             <a:r>
-              <a:rPr lang="ko-KR" altLang="en-US" sz="1400">
+              <a:rPr lang="ko-KR" altLang="en-US" sz="1400" dirty="0">
                 <a:latin typeface="JejuGothicOTF" panose="02000300000000000000" pitchFamily="2" charset="-127"/>
                 <a:ea typeface="JejuGothicOTF" panose="02000300000000000000" pitchFamily="2" charset="-127"/>
               </a:rPr>
               <a:t>홈페이지</a:t>
             </a:r>
             <a:r>
-              <a:rPr lang="en-US" altLang="ko-KR" sz="1400">
+              <a:rPr lang="en-US" altLang="ko-KR" sz="1400" dirty="0">
                 <a:latin typeface="JejuGothicOTF" panose="02000300000000000000" pitchFamily="2" charset="-127"/>
                 <a:ea typeface="JejuGothicOTF" panose="02000300000000000000" pitchFamily="2" charset="-127"/>
               </a:rPr>
-              <a:t>: https://github.com/tkfhdk123</a:t>
-            </a:r>
-            <a:endParaRPr lang="en-US" altLang="ko-KR" sz="1400" dirty="0">
-              <a:latin typeface="JejuGothicOTF" panose="02000300000000000000" pitchFamily="2" charset="-127"/>
-              <a:ea typeface="JejuGothicOTF" panose="02000300000000000000" pitchFamily="2" charset="-127"/>
-            </a:endParaRPr>
+              <a:t>: https://</a:t>
+            </a:r>
+            <a:r>
+              <a:rPr lang="en-US" altLang="ko-KR" sz="1400" dirty="0" err="1">
+                <a:latin typeface="JejuGothicOTF" panose="02000300000000000000" pitchFamily="2" charset="-127"/>
+                <a:ea typeface="JejuGothicOTF" panose="02000300000000000000" pitchFamily="2" charset="-127"/>
+              </a:rPr>
+              <a:t>github.com</a:t>
+            </a:r>
+            <a:r>
+              <a:rPr lang="en-US" altLang="ko-KR" sz="1400" dirty="0">
+                <a:latin typeface="JejuGothicOTF" panose="02000300000000000000" pitchFamily="2" charset="-127"/>
+                <a:ea typeface="JejuGothicOTF" panose="02000300000000000000" pitchFamily="2" charset="-127"/>
+              </a:rPr>
+              <a:t>/tkfhdk123</a:t>
+            </a:r>
           </a:p>
         </p:txBody>
       </p:sp>

--- a/assets/members/member_pjj.pptx
+++ b/assets/members/member_pjj.pptx
@@ -3849,8 +3849,8 @@
         </p:nvSpPr>
         <p:spPr>
           <a:xfrm>
-            <a:off x="3498982" y="4024687"/>
-            <a:ext cx="1247457" cy="307777"/>
+            <a:off x="3531042" y="4024687"/>
+            <a:ext cx="1183336" cy="307777"/>
           </a:xfrm>
           <a:prstGeom prst="rect">
             <a:avLst/>
@@ -3867,7 +3867,7 @@
           <a:p>
             <a:pPr algn="ctr"/>
             <a:r>
-              <a:rPr lang="ko-KR" altLang="en-US" sz="1400">
+              <a:rPr lang="ko-KR" altLang="en-US" sz="1400" dirty="0">
                 <a:latin typeface="JejuGothicOTF" panose="02000300000000000000" pitchFamily="2" charset="-127"/>
                 <a:ea typeface="JejuGothicOTF" panose="02000300000000000000" pitchFamily="2" charset="-127"/>
               </a:rPr>
